--- a/code/figures.pptx
+++ b/code/figures.pptx
@@ -7,6 +7,7 @@
   <p:sldIdLst>
     <p:sldId id="256" r:id="rId2"/>
     <p:sldId id="257" r:id="rId3"/>
+    <p:sldId id="258" r:id="rId4"/>
   </p:sldIdLst>
   <p:sldSz cx="12192000" cy="6858000"/>
   <p:notesSz cx="6858000" cy="9144000"/>
@@ -4091,6 +4092,165 @@
 </p:sld>
 </file>
 
+<file path=ppt/slides/slide3.xml><?xml version="1.0" encoding="utf-8"?>
+<p:sld xmlns:a="http://schemas.openxmlformats.org/drawingml/2006/main" xmlns:r="http://schemas.openxmlformats.org/officeDocument/2006/relationships" xmlns:p="http://schemas.openxmlformats.org/presentationml/2006/main">
+  <p:cSld>
+    <p:spTree>
+      <p:nvGrpSpPr>
+        <p:cNvPr id="1" name=""/>
+        <p:cNvGrpSpPr/>
+        <p:nvPr/>
+      </p:nvGrpSpPr>
+      <p:grpSpPr>
+        <a:xfrm>
+          <a:off x="0" y="0"/>
+          <a:ext cx="0" cy="0"/>
+          <a:chOff x="0" y="0"/>
+          <a:chExt cx="0" cy="0"/>
+        </a:xfrm>
+      </p:grpSpPr>
+      <p:pic>
+        <p:nvPicPr>
+          <p:cNvPr id="1030" name="Picture 6" descr="https://lh3.googleusercontent.com/faQFPu-6YZLO3YTSJZScLXwTuQC1O1ye4U-zBtiD1ctzYb4kHauXesTZpn0w1ZjxwC3D99_4iZlrzInVpcPXsu-rad4Wqfg_SgHO6AN2S2hOkiXqev1FQWf2sYQz1EO6i98a0yFey3s"/>
+          <p:cNvPicPr>
+            <a:picLocks noChangeAspect="1" noChangeArrowheads="1"/>
+          </p:cNvPicPr>
+          <p:nvPr/>
+        </p:nvPicPr>
+        <p:blipFill>
+          <a:blip r:embed="rId2">
+            <a:extLst>
+              <a:ext uri="{28A0092B-C50C-407E-A947-70E740481C1C}">
+                <a14:useLocalDpi xmlns:a14="http://schemas.microsoft.com/office/drawing/2010/main" val="0"/>
+              </a:ext>
+            </a:extLst>
+          </a:blip>
+          <a:srcRect/>
+          <a:stretch>
+            <a:fillRect/>
+          </a:stretch>
+        </p:blipFill>
+        <p:spPr bwMode="auto">
+          <a:xfrm>
+            <a:off x="6934443" y="1019908"/>
+            <a:ext cx="2600325" cy="4476751"/>
+          </a:xfrm>
+          <a:prstGeom prst="rect">
+            <a:avLst/>
+          </a:prstGeom>
+          <a:noFill/>
+          <a:extLst>
+            <a:ext uri="{909E8E84-426E-40DD-AFC4-6F175D3DCCD1}">
+              <a14:hiddenFill xmlns:a14="http://schemas.microsoft.com/office/drawing/2010/main">
+                <a:solidFill>
+                  <a:srgbClr val="FFFFFF"/>
+                </a:solidFill>
+              </a14:hiddenFill>
+            </a:ext>
+          </a:extLst>
+        </p:spPr>
+      </p:pic>
+      <p:pic>
+        <p:nvPicPr>
+          <p:cNvPr id="1032" name="Picture 8" descr="https://lh3.googleusercontent.com/b1-4mw9oZd0P5xwWXxMRlj3crl8-h7iSi3J4EQKp2SQHUSY6Y6KO8yN2KHLT0CrNiwfQXpCHevtWJwotAgtsC1Xa_BOfqPYaUsxUZ2xy67o1ASngCCBELuH7VQDe7OEHLu67B_fvfw8"/>
+          <p:cNvPicPr>
+            <a:picLocks noChangeAspect="1" noChangeArrowheads="1"/>
+          </p:cNvPicPr>
+          <p:nvPr/>
+        </p:nvPicPr>
+        <p:blipFill>
+          <a:blip r:embed="rId3">
+            <a:extLst>
+              <a:ext uri="{28A0092B-C50C-407E-A947-70E740481C1C}">
+                <a14:useLocalDpi xmlns:a14="http://schemas.microsoft.com/office/drawing/2010/main" val="0"/>
+              </a:ext>
+            </a:extLst>
+          </a:blip>
+          <a:srcRect/>
+          <a:stretch>
+            <a:fillRect/>
+          </a:stretch>
+        </p:blipFill>
+        <p:spPr bwMode="auto">
+          <a:xfrm>
+            <a:off x="1755774" y="650631"/>
+            <a:ext cx="3143250" cy="5438776"/>
+          </a:xfrm>
+          <a:prstGeom prst="rect">
+            <a:avLst/>
+          </a:prstGeom>
+          <a:noFill/>
+          <a:extLst>
+            <a:ext uri="{909E8E84-426E-40DD-AFC4-6F175D3DCCD1}">
+              <a14:hiddenFill xmlns:a14="http://schemas.microsoft.com/office/drawing/2010/main">
+                <a:solidFill>
+                  <a:srgbClr val="FFFFFF"/>
+                </a:solidFill>
+              </a14:hiddenFill>
+            </a:ext>
+          </a:extLst>
+        </p:spPr>
+      </p:pic>
+      <p:sp>
+        <p:nvSpPr>
+          <p:cNvPr id="2" name="Right Arrow 1"/>
+          <p:cNvSpPr/>
+          <p:nvPr/>
+        </p:nvSpPr>
+        <p:spPr>
+          <a:xfrm>
+            <a:off x="5319346" y="3121269"/>
+            <a:ext cx="1230923" cy="712177"/>
+          </a:xfrm>
+          <a:prstGeom prst="rightArrow">
+            <a:avLst/>
+          </a:prstGeom>
+        </p:spPr>
+        <p:style>
+          <a:lnRef idx="2">
+            <a:schemeClr val="accent1">
+              <a:shade val="50000"/>
+            </a:schemeClr>
+          </a:lnRef>
+          <a:fillRef idx="1">
+            <a:schemeClr val="accent1"/>
+          </a:fillRef>
+          <a:effectRef idx="0">
+            <a:schemeClr val="accent1"/>
+          </a:effectRef>
+          <a:fontRef idx="minor">
+            <a:schemeClr val="lt1"/>
+          </a:fontRef>
+        </p:style>
+        <p:txBody>
+          <a:bodyPr rtlCol="0" anchor="ctr"/>
+          <a:lstStyle/>
+          <a:p>
+            <a:pPr algn="ctr"/>
+            <a:endParaRPr lang="en-US"/>
+          </a:p>
+        </p:txBody>
+      </p:sp>
+    </p:spTree>
+    <p:extLst>
+      <p:ext uri="{BB962C8B-B14F-4D97-AF65-F5344CB8AC3E}">
+        <p14:creationId xmlns:p14="http://schemas.microsoft.com/office/powerpoint/2010/main" val="2872614912"/>
+      </p:ext>
+    </p:extLst>
+  </p:cSld>
+  <p:clrMapOvr>
+    <a:masterClrMapping/>
+  </p:clrMapOvr>
+  <p:timing>
+    <p:tnLst>
+      <p:par>
+        <p:cTn id="1" dur="indefinite" restart="never" nodeType="tmRoot"/>
+      </p:par>
+    </p:tnLst>
+  </p:timing>
+</p:sld>
+</file>
+
 <file path=ppt/theme/theme1.xml><?xml version="1.0" encoding="utf-8"?>
 <a:theme xmlns:a="http://schemas.openxmlformats.org/drawingml/2006/main" name="Office Theme">
   <a:themeElements>
